--- a/Licenta/Documentatie/Prezentare Secure Bit Exchange.pptx
+++ b/Licenta/Documentatie/Prezentare Secure Bit Exchange.pptx
@@ -5,21 +5,18 @@
     <p:sldMasterId id="2147483762" r:id="rId1"/>
   </p:sldMasterIdLst>
   <p:notesMasterIdLst>
-    <p:notesMasterId r:id="rId11"/>
+    <p:notesMasterId r:id="rId8"/>
   </p:notesMasterIdLst>
   <p:handoutMasterIdLst>
-    <p:handoutMasterId r:id="rId12"/>
+    <p:handoutMasterId r:id="rId9"/>
   </p:handoutMasterIdLst>
   <p:sldIdLst>
     <p:sldId id="266" r:id="rId2"/>
-    <p:sldId id="257" r:id="rId3"/>
-    <p:sldId id="258" r:id="rId4"/>
-    <p:sldId id="259" r:id="rId5"/>
-    <p:sldId id="260" r:id="rId6"/>
-    <p:sldId id="261" r:id="rId7"/>
-    <p:sldId id="262" r:id="rId8"/>
-    <p:sldId id="264" r:id="rId9"/>
-    <p:sldId id="265" r:id="rId10"/>
+    <p:sldId id="259" r:id="rId3"/>
+    <p:sldId id="261" r:id="rId4"/>
+    <p:sldId id="262" r:id="rId5"/>
+    <p:sldId id="264" r:id="rId6"/>
+    <p:sldId id="265" r:id="rId7"/>
   </p:sldIdLst>
   <p:sldSz cx="12192000" cy="6858000"/>
   <p:notesSz cx="6858000" cy="9144000"/>
@@ -208,7 +205,7 @@
           <a:p>
             <a:fld id="{5075A6F2-7EC1-43C6-8D6A-94F7BCA8DB5F}" type="datetimeFigureOut">
               <a:rPr lang="en-GB" smtClean="0"/>
-              <a:t>24/06/2016</a:t>
+              <a:t>29/06/2016</a:t>
             </a:fld>
             <a:endParaRPr lang="en-GB" dirty="0"/>
           </a:p>
@@ -373,7 +370,7 @@
           <a:p>
             <a:fld id="{343DEC41-EAAA-43A9-862A-5F8F006A83D3}" type="datetimeFigureOut">
               <a:rPr lang="en-GB" smtClean="0"/>
-              <a:t>24/06/2016</a:t>
+              <a:t>29/06/2016</a:t>
             </a:fld>
             <a:endParaRPr lang="en-GB" dirty="0"/>
           </a:p>
@@ -639,90 +636,6 @@
     </a:lvl9pPr>
   </p:notesStyle>
 </p:notesMaster>
-</file>
-
-<file path=ppt/notesSlides/notesSlide1.xml><?xml version="1.0" encoding="utf-8"?>
-<p:notes xmlns:a="http://schemas.openxmlformats.org/drawingml/2006/main" xmlns:r="http://schemas.openxmlformats.org/officeDocument/2006/relationships" xmlns:p="http://schemas.openxmlformats.org/presentationml/2006/main">
-  <p:cSld>
-    <p:spTree>
-      <p:nvGrpSpPr>
-        <p:cNvPr id="1" name=""/>
-        <p:cNvGrpSpPr/>
-        <p:nvPr/>
-      </p:nvGrpSpPr>
-      <p:grpSpPr>
-        <a:xfrm>
-          <a:off x="0" y="0"/>
-          <a:ext cx="0" cy="0"/>
-          <a:chOff x="0" y="0"/>
-          <a:chExt cx="0" cy="0"/>
-        </a:xfrm>
-      </p:grpSpPr>
-      <p:sp>
-        <p:nvSpPr>
-          <p:cNvPr id="2" name="Slide Image Placeholder 1"/>
-          <p:cNvSpPr>
-            <a:spLocks noGrp="1" noRot="1" noChangeAspect="1"/>
-          </p:cNvSpPr>
-          <p:nvPr>
-            <p:ph type="sldImg"/>
-          </p:nvPr>
-        </p:nvSpPr>
-        <p:spPr/>
-      </p:sp>
-      <p:sp>
-        <p:nvSpPr>
-          <p:cNvPr id="3" name="Notes Placeholder 2"/>
-          <p:cNvSpPr>
-            <a:spLocks noGrp="1"/>
-          </p:cNvSpPr>
-          <p:nvPr>
-            <p:ph type="body" idx="1"/>
-          </p:nvPr>
-        </p:nvSpPr>
-        <p:spPr/>
-        <p:txBody>
-          <a:bodyPr/>
-          <a:lstStyle/>
-          <a:p>
-            <a:endParaRPr lang="ro-RO" dirty="0"/>
-          </a:p>
-        </p:txBody>
-      </p:sp>
-      <p:sp>
-        <p:nvSpPr>
-          <p:cNvPr id="4" name="Slide Number Placeholder 3"/>
-          <p:cNvSpPr>
-            <a:spLocks noGrp="1"/>
-          </p:cNvSpPr>
-          <p:nvPr>
-            <p:ph type="sldNum" sz="quarter" idx="10"/>
-          </p:nvPr>
-        </p:nvSpPr>
-        <p:spPr/>
-        <p:txBody>
-          <a:bodyPr/>
-          <a:lstStyle/>
-          <a:p>
-            <a:fld id="{23681F62-ADDC-476E-8DB7-BE9DFE29D45E}" type="slidenum">
-              <a:rPr lang="en-GB" smtClean="0"/>
-              <a:t>2</a:t>
-            </a:fld>
-            <a:endParaRPr lang="en-GB" dirty="0"/>
-          </a:p>
-        </p:txBody>
-      </p:sp>
-    </p:spTree>
-    <p:extLst>
-      <p:ext uri="{BB962C8B-B14F-4D97-AF65-F5344CB8AC3E}">
-        <p14:creationId xmlns:p14="http://schemas.microsoft.com/office/powerpoint/2010/main" val="2925001115"/>
-      </p:ext>
-    </p:extLst>
-  </p:cSld>
-  <p:clrMapOvr>
-    <a:masterClrMapping/>
-  </p:clrMapOvr>
-</p:notes>
 </file>
 
 <file path=ppt/slideLayouts/slideLayout1.xml><?xml version="1.0" encoding="utf-8"?>
@@ -1056,7 +969,7 @@
           <a:p>
             <a:fld id="{D8C515CD-5508-4FE2-A7F4-3A9A91E5C099}" type="datetime1">
               <a:rPr lang="en-GB" smtClean="0"/>
-              <a:t>24/06/2016</a:t>
+              <a:t>29/06/2016</a:t>
             </a:fld>
             <a:endParaRPr lang="en-GB" dirty="0"/>
           </a:p>
@@ -1382,7 +1295,7 @@
           <a:p>
             <a:fld id="{06864F2E-2240-4B58-82E8-EECAEA66E685}" type="datetime1">
               <a:rPr lang="en-GB" smtClean="0"/>
-              <a:t>24/06/2016</a:t>
+              <a:t>29/06/2016</a:t>
             </a:fld>
             <a:endParaRPr lang="en-GB" dirty="0"/>
           </a:p>
@@ -1633,7 +1546,7 @@
           <a:p>
             <a:fld id="{16A12ADA-85E9-44E6-90FB-81CE2CC3DEDD}" type="datetime1">
               <a:rPr lang="en-GB" smtClean="0"/>
-              <a:t>24/06/2016</a:t>
+              <a:t>29/06/2016</a:t>
             </a:fld>
             <a:endParaRPr lang="en-GB" dirty="0"/>
           </a:p>
@@ -1975,7 +1888,7 @@
           <a:p>
             <a:fld id="{15B01BC1-00FC-4948-853C-DCE059EB2522}" type="datetime1">
               <a:rPr lang="en-GB" smtClean="0"/>
-              <a:t>24/06/2016</a:t>
+              <a:t>29/06/2016</a:t>
             </a:fld>
             <a:endParaRPr lang="en-GB" dirty="0"/>
           </a:p>
@@ -2325,7 +2238,7 @@
           <a:p>
             <a:fld id="{35965F44-25B3-44A3-B1CD-CD60ADE13BFD}" type="datetime1">
               <a:rPr lang="en-GB" smtClean="0"/>
-              <a:t>24/06/2016</a:t>
+              <a:t>29/06/2016</a:t>
             </a:fld>
             <a:endParaRPr lang="en-GB" dirty="0"/>
           </a:p>
@@ -2702,7 +2615,7 @@
           <a:p>
             <a:fld id="{0B34CD43-F8DF-4535-9699-93FF89BC8F06}" type="datetime1">
               <a:rPr lang="en-GB" smtClean="0"/>
-              <a:t>24/06/2016</a:t>
+              <a:t>29/06/2016</a:t>
             </a:fld>
             <a:endParaRPr lang="en-GB" dirty="0"/>
           </a:p>
@@ -3175,7 +3088,7 @@
           <a:p>
             <a:fld id="{331C2DB4-72F6-4337-8946-8ECE4F66254D}" type="datetime1">
               <a:rPr lang="en-GB" smtClean="0"/>
-              <a:t>24/06/2016</a:t>
+              <a:t>29/06/2016</a:t>
             </a:fld>
             <a:endParaRPr lang="en-GB" dirty="0"/>
           </a:p>
@@ -3383,7 +3296,7 @@
           <a:p>
             <a:fld id="{D9A12644-F867-4D79-A68F-2E6AF1699866}" type="datetime1">
               <a:rPr lang="en-GB" smtClean="0"/>
-              <a:t>24/06/2016</a:t>
+              <a:t>29/06/2016</a:t>
             </a:fld>
             <a:endParaRPr lang="en-GB" dirty="0"/>
           </a:p>
@@ -3597,7 +3510,7 @@
           <a:p>
             <a:fld id="{3E5BCF60-3547-4EF8-A524-D6BFBD5F4EBB}" type="datetime1">
               <a:rPr lang="en-GB" smtClean="0"/>
-              <a:t>24/06/2016</a:t>
+              <a:t>29/06/2016</a:t>
             </a:fld>
             <a:endParaRPr lang="en-GB" dirty="0"/>
           </a:p>
@@ -3832,7 +3745,7 @@
           <a:p>
             <a:fld id="{C8A95451-2B0D-46C7-9928-7B75469BF50C}" type="datetime1">
               <a:rPr lang="en-GB" smtClean="0"/>
-              <a:t>24/06/2016</a:t>
+              <a:t>29/06/2016</a:t>
             </a:fld>
             <a:endParaRPr lang="en-GB" dirty="0"/>
           </a:p>
@@ -4083,7 +3996,7 @@
           <a:p>
             <a:fld id="{378D89FA-BBB9-4F75-A3F7-3F65B6B6FA65}" type="datetime1">
               <a:rPr lang="en-GB" smtClean="0"/>
-              <a:t>24/06/2016</a:t>
+              <a:t>29/06/2016</a:t>
             </a:fld>
             <a:endParaRPr lang="en-GB" dirty="0"/>
           </a:p>
@@ -4384,7 +4297,7 @@
           <a:p>
             <a:fld id="{8EAC1927-5C54-4B0F-B483-8E08D30A5B7A}" type="datetime1">
               <a:rPr lang="en-GB" smtClean="0"/>
-              <a:t>24/06/2016</a:t>
+              <a:t>29/06/2016</a:t>
             </a:fld>
             <a:endParaRPr lang="en-GB" dirty="0"/>
           </a:p>
@@ -4781,7 +4694,7 @@
           <a:p>
             <a:fld id="{2D84E62C-2CB5-4972-9692-9C123919E96D}" type="datetime1">
               <a:rPr lang="en-GB" smtClean="0"/>
-              <a:t>24/06/2016</a:t>
+              <a:t>29/06/2016</a:t>
             </a:fld>
             <a:endParaRPr lang="en-GB" dirty="0"/>
           </a:p>
@@ -4933,7 +4846,7 @@
           <a:p>
             <a:fld id="{3C8452C8-6B80-45C4-8A4F-FEF051DDFB54}" type="datetime1">
               <a:rPr lang="en-GB" smtClean="0"/>
-              <a:t>24/06/2016</a:t>
+              <a:t>29/06/2016</a:t>
             </a:fld>
             <a:endParaRPr lang="en-GB" dirty="0"/>
           </a:p>
@@ -5062,7 +4975,7 @@
           <a:p>
             <a:fld id="{2DEDBF0E-1F32-4C47-AAD8-062F0A1293B2}" type="datetime1">
               <a:rPr lang="en-GB" smtClean="0"/>
-              <a:t>24/06/2016</a:t>
+              <a:t>29/06/2016</a:t>
             </a:fld>
             <a:endParaRPr lang="en-GB" dirty="0"/>
           </a:p>
@@ -5320,7 +5233,7 @@
           <a:p>
             <a:fld id="{EC78C9C0-EC28-4297-ADC1-74DFC7E63724}" type="datetime1">
               <a:rPr lang="en-GB" smtClean="0"/>
-              <a:t>24/06/2016</a:t>
+              <a:t>29/06/2016</a:t>
             </a:fld>
             <a:endParaRPr lang="en-GB" dirty="0"/>
           </a:p>
@@ -5637,7 +5550,7 @@
           <a:p>
             <a:fld id="{7728CDF4-7D6D-494A-8AEC-98ADB41EAFCC}" type="datetime1">
               <a:rPr lang="en-GB" smtClean="0"/>
-              <a:t>24/06/2016</a:t>
+              <a:t>29/06/2016</a:t>
             </a:fld>
             <a:endParaRPr lang="en-GB" dirty="0"/>
           </a:p>
@@ -5991,7 +5904,7 @@
           <a:p>
             <a:fld id="{72EB7D94-1841-4650-BBFD-560180863E4E}" type="datetime1">
               <a:rPr lang="en-GB" smtClean="0"/>
-              <a:t>24/06/2016</a:t>
+              <a:t>29/06/2016</a:t>
             </a:fld>
             <a:endParaRPr lang="en-GB" dirty="0"/>
           </a:p>
@@ -6982,7 +6895,7 @@
           <a:p>
             <a:r>
               <a:rPr lang="ro-RO" dirty="0"/>
-              <a:t>Cuprins</a:t>
+              <a:t>Ce este Secure Bit Exchange?</a:t>
             </a:r>
             <a:endParaRPr lang="en-GB" dirty="0"/>
           </a:p>
@@ -7003,27 +6916,75 @@
           <a:bodyPr/>
           <a:lstStyle/>
           <a:p>
+            <a:pPr marL="0" indent="0">
+              <a:buNone/>
+            </a:pPr>
+            <a:r>
+              <a:rPr lang="ro-RO" b="1" dirty="0"/>
+              <a:t>Secure Bit Exchange </a:t>
+            </a:r>
             <a:r>
               <a:rPr lang="ro-RO" dirty="0"/>
-              <a:t>Cuvinte cheie</a:t>
-            </a:r>
-          </a:p>
-          <a:p>
+              <a:t>este o aplica</a:t>
+            </a:r>
+            <a:r>
+              <a:rPr lang="ro-RO" sz="2200" dirty="0">
+                <a:latin typeface="Times New Roman" panose="02020603050405020304" pitchFamily="18" charset="0"/>
+                <a:cs typeface="Times New Roman" panose="02020603050405020304" pitchFamily="18" charset="0"/>
+              </a:rPr>
+              <a:t>ț</a:t>
+            </a:r>
             <a:r>
               <a:rPr lang="ro-RO" dirty="0"/>
-              <a:t>Ce este Secure Bit Exchange?</a:t>
-            </a:r>
-          </a:p>
-          <a:p>
+              <a:t>ie Android ce pune în practică protocolul de BitAgreement.</a:t>
+            </a:r>
+          </a:p>
+          <a:p>
+            <a:pPr marL="0" indent="0">
+              <a:buNone/>
+            </a:pPr>
+            <a:endParaRPr lang="ro-RO" dirty="0"/>
+          </a:p>
+          <a:p>
+            <a:pPr marL="0" indent="0">
+              <a:buNone/>
+            </a:pPr>
             <a:r>
               <a:rPr lang="ro-RO" dirty="0"/>
-              <a:t>Implementare</a:t>
-            </a:r>
-          </a:p>
-          <a:p>
+              <a:t>Obiectivul principal al acestui soft este interschimbarea de informa</a:t>
+            </a:r>
+            <a:r>
+              <a:rPr lang="ro-RO" sz="2200" dirty="0">
+                <a:latin typeface="Times New Roman" panose="02020603050405020304" pitchFamily="18" charset="0"/>
+                <a:cs typeface="Times New Roman" panose="02020603050405020304" pitchFamily="18" charset="0"/>
+              </a:rPr>
+              <a:t>ț</a:t>
+            </a:r>
             <a:r>
               <a:rPr lang="ro-RO" dirty="0"/>
-              <a:t>Concluzii</a:t>
+              <a:t>ii între dispozitive diferite rulând aceea</a:t>
+            </a:r>
+            <a:r>
+              <a:rPr lang="ro-RO" sz="2200" dirty="0">
+                <a:latin typeface="Times New Roman" panose="02020603050405020304" pitchFamily="18" charset="0"/>
+                <a:cs typeface="Times New Roman" panose="02020603050405020304" pitchFamily="18" charset="0"/>
+              </a:rPr>
+              <a:t>ș</a:t>
+            </a:r>
+            <a:r>
+              <a:rPr lang="ro-RO" dirty="0"/>
+              <a:t>i aplica</a:t>
+            </a:r>
+            <a:r>
+              <a:rPr lang="ro-RO" sz="2200" dirty="0">
+                <a:latin typeface="Times New Roman" panose="02020603050405020304" pitchFamily="18" charset="0"/>
+                <a:cs typeface="Times New Roman" panose="02020603050405020304" pitchFamily="18" charset="0"/>
+              </a:rPr>
+              <a:t>ț</a:t>
+            </a:r>
+            <a:r>
+              <a:rPr lang="ro-RO" dirty="0"/>
+              <a:t>ie.</a:t>
             </a:r>
             <a:endParaRPr lang="en-GB" dirty="0"/>
           </a:p>
@@ -7077,7 +7038,7 @@
     </p:spTree>
     <p:extLst>
       <p:ext uri="{BB962C8B-B14F-4D97-AF65-F5344CB8AC3E}">
-        <p14:creationId xmlns:p14="http://schemas.microsoft.com/office/powerpoint/2010/main" val="3456251003"/>
+        <p14:creationId xmlns:p14="http://schemas.microsoft.com/office/powerpoint/2010/main" val="2007103329"/>
       </p:ext>
     </p:extLst>
   </p:cSld>
@@ -7106,7 +7067,7 @@
       </p:grpSpPr>
       <p:sp>
         <p:nvSpPr>
-          <p:cNvPr id="6" name="Title 5"/>
+          <p:cNvPr id="2" name="Title 1"/>
           <p:cNvSpPr>
             <a:spLocks noGrp="1"/>
           </p:cNvSpPr>
@@ -7121,55 +7082,19 @@
           <a:p>
             <a:r>
               <a:rPr lang="ro-RO" dirty="0"/>
-              <a:t>Cuvinte cheie</a:t>
-            </a:r>
-            <a:endParaRPr lang="en-GB" dirty="0"/>
-          </a:p>
-        </p:txBody>
-      </p:sp>
-      <p:sp>
-        <p:nvSpPr>
-          <p:cNvPr id="9" name="Content Placeholder 8"/>
-          <p:cNvSpPr>
-            <a:spLocks noGrp="1"/>
-          </p:cNvSpPr>
-          <p:nvPr>
-            <p:ph idx="1"/>
-          </p:nvPr>
-        </p:nvSpPr>
-        <p:spPr/>
-        <p:txBody>
-          <a:bodyPr/>
-          <a:lstStyle/>
-          <a:p>
-            <a:endParaRPr lang="ro-RO" dirty="0"/>
-          </a:p>
-          <a:p>
+              <a:t>Arhitectura aplica</a:t>
+            </a:r>
+            <a:r>
+              <a:rPr lang="ro-RO" sz="3600" dirty="0">
+                <a:latin typeface="Times New Roman" panose="02020603050405020304" pitchFamily="18" charset="0"/>
+                <a:cs typeface="Times New Roman" panose="02020603050405020304" pitchFamily="18" charset="0"/>
+              </a:rPr>
+              <a:t>ț</a:t>
+            </a:r>
             <a:r>
               <a:rPr lang="ro-RO" dirty="0"/>
-              <a:t>Anonimat</a:t>
-            </a:r>
-          </a:p>
-          <a:p>
-            <a:r>
-              <a:rPr lang="ro-RO" dirty="0"/>
-              <a:t>Servicii</a:t>
-            </a:r>
-          </a:p>
-          <a:p>
-            <a:r>
-              <a:rPr lang="ro-RO" dirty="0"/>
-              <a:t>Protocol de securitate</a:t>
-            </a:r>
-          </a:p>
-          <a:p>
-            <a:r>
-              <a:rPr lang="ro-RO" dirty="0"/>
-              <a:t>Conexiune TCP/IP</a:t>
-            </a:r>
-          </a:p>
-          <a:p>
-            <a:endParaRPr lang="en-GB" dirty="0"/>
+              <a:t>iei</a:t>
+            </a:r>
           </a:p>
         </p:txBody>
       </p:sp>
@@ -7195,9 +7120,38 @@
           </a:p>
         </p:txBody>
       </p:sp>
-      <p:sp>
-        <p:nvSpPr>
-          <p:cNvPr id="2" name="Slide Number Placeholder 1"/>
+      <p:pic>
+        <p:nvPicPr>
+          <p:cNvPr id="7" name="Content Placeholder 6"/>
+          <p:cNvPicPr>
+            <a:picLocks noGrp="1" noChangeAspect="1"/>
+          </p:cNvPicPr>
+          <p:nvPr>
+            <p:ph idx="1"/>
+          </p:nvPr>
+        </p:nvPicPr>
+        <p:blipFill>
+          <a:blip r:embed="rId2">
+            <a:extLst>
+              <a:ext uri="{28A0092B-C50C-407E-A947-70E740481C1C}">
+                <a14:useLocalDpi xmlns:a14="http://schemas.microsoft.com/office/drawing/2010/main" val="0"/>
+              </a:ext>
+            </a:extLst>
+          </a:blip>
+          <a:stretch>
+            <a:fillRect/>
+          </a:stretch>
+        </p:blipFill>
+        <p:spPr>
+          <a:xfrm>
+            <a:off x="1295401" y="2799470"/>
+            <a:ext cx="9601200" cy="2493639"/>
+          </a:xfrm>
+        </p:spPr>
+      </p:pic>
+      <p:sp>
+        <p:nvSpPr>
+          <p:cNvPr id="8" name="Slide Number Placeholder 7"/>
           <p:cNvSpPr>
             <a:spLocks noGrp="1"/>
           </p:cNvSpPr>
@@ -7210,17 +7164,18 @@
           <a:bodyPr/>
           <a:lstStyle/>
           <a:p>
-            <a:r>
-              <a:rPr lang="en-GB" sz="2000" dirty="0"/>
+            <a:fld id="{063B3E89-AA81-4CDA-AB7C-21B784BF0B72}" type="slidenum">
+              <a:rPr lang="en-GB" sz="2000" smtClean="0"/>
               <a:t>3</a:t>
-            </a:r>
+            </a:fld>
+            <a:endParaRPr lang="en-GB" sz="2000" dirty="0"/>
           </a:p>
         </p:txBody>
       </p:sp>
     </p:spTree>
     <p:extLst>
       <p:ext uri="{BB962C8B-B14F-4D97-AF65-F5344CB8AC3E}">
-        <p14:creationId xmlns:p14="http://schemas.microsoft.com/office/powerpoint/2010/main" val="4292947178"/>
+        <p14:creationId xmlns:p14="http://schemas.microsoft.com/office/powerpoint/2010/main" val="2028706547"/>
       </p:ext>
     </p:extLst>
   </p:cSld>
@@ -7249,7 +7204,7 @@
       </p:grpSpPr>
       <p:sp>
         <p:nvSpPr>
-          <p:cNvPr id="6" name="Title 5"/>
+          <p:cNvPr id="2" name="Title 1"/>
           <p:cNvSpPr>
             <a:spLocks noGrp="1"/>
           </p:cNvSpPr>
@@ -7263,105 +7218,53 @@
           <a:lstStyle/>
           <a:p>
             <a:r>
-              <a:rPr lang="ro-RO" dirty="0"/>
-              <a:t>Ce este Secure Bit Exchange?</a:t>
-            </a:r>
-            <a:endParaRPr lang="en-GB" dirty="0"/>
-          </a:p>
-        </p:txBody>
-      </p:sp>
-      <p:sp>
-        <p:nvSpPr>
-          <p:cNvPr id="7" name="Content Placeholder 6"/>
-          <p:cNvSpPr>
-            <a:spLocks noGrp="1"/>
-          </p:cNvSpPr>
+              <a:rPr lang="en-GB" dirty="0" err="1"/>
+              <a:t>Protocolul</a:t>
+            </a:r>
+            <a:r>
+              <a:rPr lang="en-GB" dirty="0"/>
+              <a:t> </a:t>
+            </a:r>
+            <a:r>
+              <a:rPr lang="en-GB" dirty="0" err="1"/>
+              <a:t>BitExchange</a:t>
+            </a:r>
+            <a:endParaRPr lang="ro-RO" dirty="0"/>
+          </a:p>
+        </p:txBody>
+      </p:sp>
+      <p:pic>
+        <p:nvPicPr>
+          <p:cNvPr id="5" name="Content Placeholder 4"/>
+          <p:cNvPicPr>
+            <a:picLocks noGrp="1" noChangeAspect="1"/>
+          </p:cNvPicPr>
           <p:nvPr>
             <p:ph idx="1"/>
           </p:nvPr>
-        </p:nvSpPr>
-        <p:spPr/>
-        <p:txBody>
-          <a:bodyPr/>
-          <a:lstStyle/>
-          <a:p>
-            <a:pPr marL="0" indent="0">
-              <a:buNone/>
-            </a:pPr>
-            <a:r>
-              <a:rPr lang="ro-RO" b="1" dirty="0"/>
-              <a:t>Secure Bit Exchange </a:t>
-            </a:r>
-            <a:r>
-              <a:rPr lang="ro-RO" dirty="0"/>
-              <a:t>este o aplica</a:t>
-            </a:r>
-            <a:r>
-              <a:rPr lang="ro-RO" sz="2200" dirty="0">
-                <a:latin typeface="Times New Roman" panose="02020603050405020304" pitchFamily="18" charset="0"/>
-                <a:cs typeface="Times New Roman" panose="02020603050405020304" pitchFamily="18" charset="0"/>
-              </a:rPr>
-              <a:t>ț</a:t>
-            </a:r>
-            <a:r>
-              <a:rPr lang="ro-RO" dirty="0"/>
-              <a:t>ie Android ce pune în practică protocolul de BitAgreement.</a:t>
-            </a:r>
-          </a:p>
-          <a:p>
-            <a:pPr marL="0" indent="0">
-              <a:buNone/>
-            </a:pPr>
-            <a:endParaRPr lang="ro-RO" dirty="0"/>
-          </a:p>
-          <a:p>
-            <a:pPr marL="0" indent="0">
-              <a:buNone/>
-            </a:pPr>
-            <a:r>
-              <a:rPr lang="ro-RO" dirty="0"/>
-              <a:t>Obiectivul principal al acestui soft este interschimbarea de informa</a:t>
-            </a:r>
-            <a:r>
-              <a:rPr lang="ro-RO" sz="2200" dirty="0">
-                <a:latin typeface="Times New Roman" panose="02020603050405020304" pitchFamily="18" charset="0"/>
-                <a:cs typeface="Times New Roman" panose="02020603050405020304" pitchFamily="18" charset="0"/>
-              </a:rPr>
-              <a:t>ț</a:t>
-            </a:r>
-            <a:r>
-              <a:rPr lang="ro-RO" dirty="0"/>
-              <a:t>ii între dispozitive diferite rulând aceea</a:t>
-            </a:r>
-            <a:r>
-              <a:rPr lang="ro-RO" sz="2200" dirty="0">
-                <a:latin typeface="Times New Roman" panose="02020603050405020304" pitchFamily="18" charset="0"/>
-                <a:cs typeface="Times New Roman" panose="02020603050405020304" pitchFamily="18" charset="0"/>
-              </a:rPr>
-              <a:t>ș</a:t>
-            </a:r>
-            <a:r>
-              <a:rPr lang="ro-RO" dirty="0"/>
-              <a:t>i aplica</a:t>
-            </a:r>
-            <a:r>
-              <a:rPr lang="ro-RO" sz="2200" dirty="0">
-                <a:latin typeface="Times New Roman" panose="02020603050405020304" pitchFamily="18" charset="0"/>
-                <a:cs typeface="Times New Roman" panose="02020603050405020304" pitchFamily="18" charset="0"/>
-              </a:rPr>
-              <a:t>ț</a:t>
-            </a:r>
-            <a:r>
-              <a:rPr lang="ro-RO" dirty="0"/>
-              <a:t>ie.</a:t>
-            </a:r>
-            <a:endParaRPr lang="en-GB" dirty="0"/>
-          </a:p>
-        </p:txBody>
-      </p:sp>
-      <p:sp>
-        <p:nvSpPr>
-          <p:cNvPr id="5" name="Footer Placeholder 4"/>
+        </p:nvPicPr>
+        <p:blipFill>
+          <a:blip r:embed="rId2">
+            <a:extLst>
+              <a:ext uri="{28A0092B-C50C-407E-A947-70E740481C1C}">
+                <a14:useLocalDpi xmlns:a14="http://schemas.microsoft.com/office/drawing/2010/main" val="0"/>
+              </a:ext>
+            </a:extLst>
+          </a:blip>
+          <a:stretch>
+            <a:fillRect/>
+          </a:stretch>
+        </p:blipFill>
+        <p:spPr>
+          <a:xfrm>
+            <a:off x="3914616" y="2557463"/>
+            <a:ext cx="4362768" cy="3317875"/>
+          </a:xfrm>
+        </p:spPr>
+      </p:pic>
+      <p:sp>
+        <p:nvSpPr>
+          <p:cNvPr id="3" name="Footer Placeholder 2"/>
           <p:cNvSpPr>
             <a:spLocks noGrp="1"/>
           </p:cNvSpPr>
@@ -7383,7 +7286,7 @@
       </p:sp>
       <p:sp>
         <p:nvSpPr>
-          <p:cNvPr id="2" name="Slide Number Placeholder 1"/>
+          <p:cNvPr id="6" name="Slide Number Placeholder 5"/>
           <p:cNvSpPr>
             <a:spLocks noGrp="1"/>
           </p:cNvSpPr>
@@ -7407,7 +7310,7 @@
     </p:spTree>
     <p:extLst>
       <p:ext uri="{BB962C8B-B14F-4D97-AF65-F5344CB8AC3E}">
-        <p14:creationId xmlns:p14="http://schemas.microsoft.com/office/powerpoint/2010/main" val="2007103329"/>
+        <p14:creationId xmlns:p14="http://schemas.microsoft.com/office/powerpoint/2010/main" val="3014496289"/>
       </p:ext>
     </p:extLst>
   </p:cSld>
@@ -7451,7 +7354,7 @@
           <a:p>
             <a:r>
               <a:rPr lang="ro-RO" dirty="0"/>
-              <a:t>Implementare</a:t>
+              <a:t>Concluzii</a:t>
             </a:r>
             <a:endParaRPr lang="en-GB" dirty="0"/>
           </a:p>
@@ -7477,76 +7380,47 @@
             </a:pPr>
             <a:r>
               <a:rPr lang="ro-RO" dirty="0"/>
-              <a:t>	</a:t>
-            </a:r>
-            <a:r>
-              <a:rPr lang="en-GB" dirty="0"/>
-              <a:t>În </a:t>
-            </a:r>
-            <a:r>
-              <a:rPr lang="en-ZA" dirty="0"/>
-              <a:t>realizarea</a:t>
-            </a:r>
-            <a:r>
-              <a:rPr lang="en-GB" dirty="0"/>
-              <a:t> acestei aplica</a:t>
-            </a:r>
-            <a:r>
-              <a:rPr lang="en-GB" sz="2200" dirty="0"/>
-              <a:t>ț</a:t>
-            </a:r>
-            <a:r>
-              <a:rPr lang="en-GB" dirty="0"/>
-              <a:t>ii au fost folosite tehnologiile: </a:t>
-            </a:r>
-            <a:endParaRPr lang="ro-RO" dirty="0"/>
+              <a:t>Lucrare și-a propus ca scop crearea unei aplicații care oferă:</a:t>
+            </a:r>
           </a:p>
           <a:p>
             <a:r>
               <a:rPr lang="ro-RO" dirty="0"/>
-              <a:t>Android Studio IDE</a:t>
+              <a:t>Spațiu sigur de dezvoltare</a:t>
             </a:r>
           </a:p>
           <a:p>
             <a:r>
               <a:rPr lang="ro-RO" dirty="0"/>
-              <a:t>API-ul Network Service Discovery pentru controlul serviciilor</a:t>
-            </a:r>
-          </a:p>
-          <a:p>
+              <a:t>Determinarea userului cu drept de start al unui joc</a:t>
+            </a:r>
+          </a:p>
+          <a:p>
+            <a:pPr marL="0" indent="0">
+              <a:buNone/>
+            </a:pPr>
             <a:r>
               <a:rPr lang="ro-RO" dirty="0"/>
-              <a:t>Modelul Server – Client</a:t>
+              <a:t>Posibile îmbunătățiri ulterioare:</a:t>
             </a:r>
           </a:p>
           <a:p>
             <a:r>
               <a:rPr lang="ro-RO" dirty="0"/>
-              <a:t>API-ul de generare a bi</a:t>
-            </a:r>
-            <a:r>
-              <a:rPr lang="ro-RO" sz="2200" dirty="0">
-                <a:cs typeface="Times New Roman" panose="02020603050405020304" pitchFamily="18" charset="0"/>
-              </a:rPr>
-              <a:t>ț</a:t>
-            </a:r>
+              <a:t>Menținerea scorului pentru jocul ales de useri</a:t>
+            </a:r>
+          </a:p>
+          <a:p>
             <a:r>
               <a:rPr lang="ro-RO" dirty="0"/>
-              <a:t>ilor, Random.org </a:t>
-            </a:r>
-          </a:p>
-          <a:p>
-            <a:r>
-              <a:rPr lang="ro-RO" dirty="0"/>
-              <a:t>Protocolul BitAgreement</a:t>
-            </a:r>
-            <a:endParaRPr lang="en-GB" dirty="0"/>
-          </a:p>
-        </p:txBody>
-      </p:sp>
-      <p:sp>
-        <p:nvSpPr>
-          <p:cNvPr id="5" name="Footer Placeholder 4"/>
+              <a:t>Sistem de logare și bază de date a istoricului</a:t>
+            </a:r>
+          </a:p>
+        </p:txBody>
+      </p:sp>
+      <p:sp>
+        <p:nvSpPr>
+          <p:cNvPr id="3" name="Footer Placeholder 2"/>
           <p:cNvSpPr>
             <a:spLocks noGrp="1"/>
           </p:cNvSpPr>
@@ -7592,7 +7466,7 @@
     </p:spTree>
     <p:extLst>
       <p:ext uri="{BB962C8B-B14F-4D97-AF65-F5344CB8AC3E}">
-        <p14:creationId xmlns:p14="http://schemas.microsoft.com/office/powerpoint/2010/main" val="3125759132"/>
+        <p14:creationId xmlns:p14="http://schemas.microsoft.com/office/powerpoint/2010/main" val="171150119"/>
       </p:ext>
     </p:extLst>
   </p:cSld>
@@ -7621,7 +7495,7 @@
       </p:grpSpPr>
       <p:sp>
         <p:nvSpPr>
-          <p:cNvPr id="2" name="Title 1"/>
+          <p:cNvPr id="4" name="Title 3"/>
           <p:cNvSpPr>
             <a:spLocks noGrp="1"/>
           </p:cNvSpPr>
@@ -7636,7 +7510,7 @@
           <a:p>
             <a:r>
               <a:rPr lang="ro-RO" dirty="0"/>
-              <a:t>Arhitectura aplica</a:t>
+              <a:t>Demonstra</a:t>
             </a:r>
             <a:r>
               <a:rPr lang="ro-RO" sz="3600" dirty="0">
@@ -7647,14 +7521,34 @@
             </a:r>
             <a:r>
               <a:rPr lang="ro-RO" dirty="0"/>
-              <a:t>iei</a:t>
-            </a:r>
-          </a:p>
-        </p:txBody>
-      </p:sp>
-      <p:sp>
-        <p:nvSpPr>
-          <p:cNvPr id="5" name="Footer Placeholder 4"/>
+              <a:t>ie</a:t>
+            </a:r>
+            <a:endParaRPr lang="en-GB" dirty="0"/>
+          </a:p>
+        </p:txBody>
+      </p:sp>
+      <p:sp>
+        <p:nvSpPr>
+          <p:cNvPr id="5" name="Content Placeholder 4"/>
+          <p:cNvSpPr>
+            <a:spLocks noGrp="1"/>
+          </p:cNvSpPr>
+          <p:nvPr>
+            <p:ph idx="1"/>
+          </p:nvPr>
+        </p:nvSpPr>
+        <p:spPr/>
+        <p:txBody>
+          <a:bodyPr/>
+          <a:lstStyle/>
+          <a:p>
+            <a:endParaRPr lang="en-GB" dirty="0"/>
+          </a:p>
+        </p:txBody>
+      </p:sp>
+      <p:sp>
+        <p:nvSpPr>
+          <p:cNvPr id="3" name="Footer Placeholder 2"/>
           <p:cNvSpPr>
             <a:spLocks noGrp="1"/>
           </p:cNvSpPr>
@@ -7674,38 +7568,9 @@
           </a:p>
         </p:txBody>
       </p:sp>
-      <p:pic>
-        <p:nvPicPr>
-          <p:cNvPr id="7" name="Content Placeholder 6"/>
-          <p:cNvPicPr>
-            <a:picLocks noGrp="1" noChangeAspect="1"/>
-          </p:cNvPicPr>
-          <p:nvPr>
-            <p:ph idx="1"/>
-          </p:nvPr>
-        </p:nvPicPr>
-        <p:blipFill>
-          <a:blip r:embed="rId2">
-            <a:extLst>
-              <a:ext uri="{28A0092B-C50C-407E-A947-70E740481C1C}">
-                <a14:useLocalDpi xmlns:a14="http://schemas.microsoft.com/office/drawing/2010/main" val="0"/>
-              </a:ext>
-            </a:extLst>
-          </a:blip>
-          <a:stretch>
-            <a:fillRect/>
-          </a:stretch>
-        </p:blipFill>
-        <p:spPr>
-          <a:xfrm>
-            <a:off x="1295401" y="2799470"/>
-            <a:ext cx="9601200" cy="2493639"/>
-          </a:xfrm>
-        </p:spPr>
-      </p:pic>
-      <p:sp>
-        <p:nvSpPr>
-          <p:cNvPr id="8" name="Slide Number Placeholder 7"/>
+      <p:sp>
+        <p:nvSpPr>
+          <p:cNvPr id="2" name="Slide Number Placeholder 1"/>
           <p:cNvSpPr>
             <a:spLocks noGrp="1"/>
           </p:cNvSpPr>
@@ -7721,425 +7586,6 @@
             <a:fld id="{063B3E89-AA81-4CDA-AB7C-21B784BF0B72}" type="slidenum">
               <a:rPr lang="en-GB" sz="2000" smtClean="0"/>
               <a:t>6</a:t>
-            </a:fld>
-            <a:endParaRPr lang="en-GB" sz="2000" dirty="0"/>
-          </a:p>
-        </p:txBody>
-      </p:sp>
-    </p:spTree>
-    <p:extLst>
-      <p:ext uri="{BB962C8B-B14F-4D97-AF65-F5344CB8AC3E}">
-        <p14:creationId xmlns:p14="http://schemas.microsoft.com/office/powerpoint/2010/main" val="2028706547"/>
-      </p:ext>
-    </p:extLst>
-  </p:cSld>
-  <p:clrMapOvr>
-    <a:masterClrMapping/>
-  </p:clrMapOvr>
-</p:sld>
-</file>
-
-<file path=ppt/slides/slide7.xml><?xml version="1.0" encoding="utf-8"?>
-<p:sld xmlns:a="http://schemas.openxmlformats.org/drawingml/2006/main" xmlns:r="http://schemas.openxmlformats.org/officeDocument/2006/relationships" xmlns:p="http://schemas.openxmlformats.org/presentationml/2006/main">
-  <p:cSld>
-    <p:spTree>
-      <p:nvGrpSpPr>
-        <p:cNvPr id="1" name=""/>
-        <p:cNvGrpSpPr/>
-        <p:nvPr/>
-      </p:nvGrpSpPr>
-      <p:grpSpPr>
-        <a:xfrm>
-          <a:off x="0" y="0"/>
-          <a:ext cx="0" cy="0"/>
-          <a:chOff x="0" y="0"/>
-          <a:chExt cx="0" cy="0"/>
-        </a:xfrm>
-      </p:grpSpPr>
-      <p:sp>
-        <p:nvSpPr>
-          <p:cNvPr id="2" name="Title 1"/>
-          <p:cNvSpPr>
-            <a:spLocks noGrp="1"/>
-          </p:cNvSpPr>
-          <p:nvPr>
-            <p:ph type="title"/>
-          </p:nvPr>
-        </p:nvSpPr>
-        <p:spPr/>
-        <p:txBody>
-          <a:bodyPr/>
-          <a:lstStyle/>
-          <a:p>
-            <a:r>
-              <a:rPr lang="en-GB" dirty="0" err="1"/>
-              <a:t>Protocolul</a:t>
-            </a:r>
-            <a:r>
-              <a:rPr lang="en-GB" dirty="0"/>
-              <a:t> </a:t>
-            </a:r>
-            <a:r>
-              <a:rPr lang="en-GB" dirty="0" err="1"/>
-              <a:t>BitExchange</a:t>
-            </a:r>
-            <a:endParaRPr lang="ro-RO" dirty="0"/>
-          </a:p>
-        </p:txBody>
-      </p:sp>
-      <p:pic>
-        <p:nvPicPr>
-          <p:cNvPr id="5" name="Content Placeholder 4"/>
-          <p:cNvPicPr>
-            <a:picLocks noGrp="1" noChangeAspect="1"/>
-          </p:cNvPicPr>
-          <p:nvPr>
-            <p:ph idx="1"/>
-          </p:nvPr>
-        </p:nvPicPr>
-        <p:blipFill>
-          <a:blip r:embed="rId2">
-            <a:extLst>
-              <a:ext uri="{28A0092B-C50C-407E-A947-70E740481C1C}">
-                <a14:useLocalDpi xmlns:a14="http://schemas.microsoft.com/office/drawing/2010/main" val="0"/>
-              </a:ext>
-            </a:extLst>
-          </a:blip>
-          <a:stretch>
-            <a:fillRect/>
-          </a:stretch>
-        </p:blipFill>
-        <p:spPr>
-          <a:xfrm>
-            <a:off x="3914616" y="2557463"/>
-            <a:ext cx="4362768" cy="3317875"/>
-          </a:xfrm>
-        </p:spPr>
-      </p:pic>
-      <p:sp>
-        <p:nvSpPr>
-          <p:cNvPr id="3" name="Footer Placeholder 2"/>
-          <p:cNvSpPr>
-            <a:spLocks noGrp="1"/>
-          </p:cNvSpPr>
-          <p:nvPr>
-            <p:ph type="ftr" sz="quarter" idx="11"/>
-          </p:nvPr>
-        </p:nvSpPr>
-        <p:spPr/>
-        <p:txBody>
-          <a:bodyPr/>
-          <a:lstStyle/>
-          <a:p>
-            <a:r>
-              <a:rPr lang="en-GB" sz="1200" dirty="0"/>
-              <a:t>UNIVERSITATEA „ALEXANDRU IOAN CUZA” IAŞI, FACULTATEA DE INFORMATICĂ</a:t>
-            </a:r>
-          </a:p>
-        </p:txBody>
-      </p:sp>
-      <p:sp>
-        <p:nvSpPr>
-          <p:cNvPr id="6" name="Slide Number Placeholder 5"/>
-          <p:cNvSpPr>
-            <a:spLocks noGrp="1"/>
-          </p:cNvSpPr>
-          <p:nvPr>
-            <p:ph type="sldNum" sz="quarter" idx="12"/>
-          </p:nvPr>
-        </p:nvSpPr>
-        <p:spPr/>
-        <p:txBody>
-          <a:bodyPr/>
-          <a:lstStyle/>
-          <a:p>
-            <a:fld id="{063B3E89-AA81-4CDA-AB7C-21B784BF0B72}" type="slidenum">
-              <a:rPr lang="en-GB" sz="2000" smtClean="0"/>
-              <a:t>7</a:t>
-            </a:fld>
-            <a:endParaRPr lang="en-GB" sz="2000" dirty="0"/>
-          </a:p>
-        </p:txBody>
-      </p:sp>
-    </p:spTree>
-    <p:extLst>
-      <p:ext uri="{BB962C8B-B14F-4D97-AF65-F5344CB8AC3E}">
-        <p14:creationId xmlns:p14="http://schemas.microsoft.com/office/powerpoint/2010/main" val="3014496289"/>
-      </p:ext>
-    </p:extLst>
-  </p:cSld>
-  <p:clrMapOvr>
-    <a:masterClrMapping/>
-  </p:clrMapOvr>
-</p:sld>
-</file>
-
-<file path=ppt/slides/slide8.xml><?xml version="1.0" encoding="utf-8"?>
-<p:sld xmlns:a="http://schemas.openxmlformats.org/drawingml/2006/main" xmlns:r="http://schemas.openxmlformats.org/officeDocument/2006/relationships" xmlns:p="http://schemas.openxmlformats.org/presentationml/2006/main">
-  <p:cSld>
-    <p:spTree>
-      <p:nvGrpSpPr>
-        <p:cNvPr id="1" name=""/>
-        <p:cNvGrpSpPr/>
-        <p:nvPr/>
-      </p:nvGrpSpPr>
-      <p:grpSpPr>
-        <a:xfrm>
-          <a:off x="0" y="0"/>
-          <a:ext cx="0" cy="0"/>
-          <a:chOff x="0" y="0"/>
-          <a:chExt cx="0" cy="0"/>
-        </a:xfrm>
-      </p:grpSpPr>
-      <p:sp>
-        <p:nvSpPr>
-          <p:cNvPr id="7" name="Title 6"/>
-          <p:cNvSpPr>
-            <a:spLocks noGrp="1"/>
-          </p:cNvSpPr>
-          <p:nvPr>
-            <p:ph type="title"/>
-          </p:nvPr>
-        </p:nvSpPr>
-        <p:spPr/>
-        <p:txBody>
-          <a:bodyPr/>
-          <a:lstStyle/>
-          <a:p>
-            <a:r>
-              <a:rPr lang="ro-RO" dirty="0"/>
-              <a:t>Concluzii</a:t>
-            </a:r>
-            <a:endParaRPr lang="en-GB" dirty="0"/>
-          </a:p>
-        </p:txBody>
-      </p:sp>
-      <p:sp>
-        <p:nvSpPr>
-          <p:cNvPr id="8" name="Content Placeholder 7"/>
-          <p:cNvSpPr>
-            <a:spLocks noGrp="1"/>
-          </p:cNvSpPr>
-          <p:nvPr>
-            <p:ph idx="1"/>
-          </p:nvPr>
-        </p:nvSpPr>
-        <p:spPr/>
-        <p:txBody>
-          <a:bodyPr/>
-          <a:lstStyle/>
-          <a:p>
-            <a:pPr marL="0" indent="0">
-              <a:buNone/>
-            </a:pPr>
-            <a:r>
-              <a:rPr lang="ro-RO" dirty="0"/>
-              <a:t>Lucrare și-a propus ca scop crearea unei aplicații care oferă:</a:t>
-            </a:r>
-          </a:p>
-          <a:p>
-            <a:r>
-              <a:rPr lang="ro-RO" dirty="0"/>
-              <a:t>Spațiu sigur de dezvoltare</a:t>
-            </a:r>
-          </a:p>
-          <a:p>
-            <a:r>
-              <a:rPr lang="ro-RO" dirty="0"/>
-              <a:t>Determinarea userului cu drept de start al unui joc</a:t>
-            </a:r>
-          </a:p>
-          <a:p>
-            <a:pPr marL="0" indent="0">
-              <a:buNone/>
-            </a:pPr>
-            <a:r>
-              <a:rPr lang="ro-RO" dirty="0"/>
-              <a:t>Posibile îmbunătățiri ulterioare:</a:t>
-            </a:r>
-          </a:p>
-          <a:p>
-            <a:r>
-              <a:rPr lang="ro-RO" dirty="0"/>
-              <a:t>Menținerea scorului pentru jocul ales de useri</a:t>
-            </a:r>
-          </a:p>
-          <a:p>
-            <a:r>
-              <a:rPr lang="ro-RO" dirty="0"/>
-              <a:t>Sistem de logare și bază de date a istoricului</a:t>
-            </a:r>
-          </a:p>
-        </p:txBody>
-      </p:sp>
-      <p:sp>
-        <p:nvSpPr>
-          <p:cNvPr id="3" name="Footer Placeholder 2"/>
-          <p:cNvSpPr>
-            <a:spLocks noGrp="1"/>
-          </p:cNvSpPr>
-          <p:nvPr>
-            <p:ph type="ftr" sz="quarter" idx="11"/>
-          </p:nvPr>
-        </p:nvSpPr>
-        <p:spPr/>
-        <p:txBody>
-          <a:bodyPr/>
-          <a:lstStyle/>
-          <a:p>
-            <a:r>
-              <a:rPr lang="en-GB" sz="1200" dirty="0"/>
-              <a:t>UNIVERSITATEA „ALEXANDRU IOAN CUZA” IAŞI, FACULTATEA DE INFORMATICĂ</a:t>
-            </a:r>
-          </a:p>
-        </p:txBody>
-      </p:sp>
-      <p:sp>
-        <p:nvSpPr>
-          <p:cNvPr id="2" name="Slide Number Placeholder 1"/>
-          <p:cNvSpPr>
-            <a:spLocks noGrp="1"/>
-          </p:cNvSpPr>
-          <p:nvPr>
-            <p:ph type="sldNum" sz="quarter" idx="12"/>
-          </p:nvPr>
-        </p:nvSpPr>
-        <p:spPr/>
-        <p:txBody>
-          <a:bodyPr/>
-          <a:lstStyle/>
-          <a:p>
-            <a:fld id="{063B3E89-AA81-4CDA-AB7C-21B784BF0B72}" type="slidenum">
-              <a:rPr lang="en-GB" sz="2000" smtClean="0"/>
-              <a:t>8</a:t>
-            </a:fld>
-            <a:endParaRPr lang="en-GB" sz="2000" dirty="0"/>
-          </a:p>
-        </p:txBody>
-      </p:sp>
-    </p:spTree>
-    <p:extLst>
-      <p:ext uri="{BB962C8B-B14F-4D97-AF65-F5344CB8AC3E}">
-        <p14:creationId xmlns:p14="http://schemas.microsoft.com/office/powerpoint/2010/main" val="171150119"/>
-      </p:ext>
-    </p:extLst>
-  </p:cSld>
-  <p:clrMapOvr>
-    <a:masterClrMapping/>
-  </p:clrMapOvr>
-</p:sld>
-</file>
-
-<file path=ppt/slides/slide9.xml><?xml version="1.0" encoding="utf-8"?>
-<p:sld xmlns:a="http://schemas.openxmlformats.org/drawingml/2006/main" xmlns:r="http://schemas.openxmlformats.org/officeDocument/2006/relationships" xmlns:p="http://schemas.openxmlformats.org/presentationml/2006/main">
-  <p:cSld>
-    <p:spTree>
-      <p:nvGrpSpPr>
-        <p:cNvPr id="1" name=""/>
-        <p:cNvGrpSpPr/>
-        <p:nvPr/>
-      </p:nvGrpSpPr>
-      <p:grpSpPr>
-        <a:xfrm>
-          <a:off x="0" y="0"/>
-          <a:ext cx="0" cy="0"/>
-          <a:chOff x="0" y="0"/>
-          <a:chExt cx="0" cy="0"/>
-        </a:xfrm>
-      </p:grpSpPr>
-      <p:sp>
-        <p:nvSpPr>
-          <p:cNvPr id="4" name="Title 3"/>
-          <p:cNvSpPr>
-            <a:spLocks noGrp="1"/>
-          </p:cNvSpPr>
-          <p:nvPr>
-            <p:ph type="title"/>
-          </p:nvPr>
-        </p:nvSpPr>
-        <p:spPr/>
-        <p:txBody>
-          <a:bodyPr/>
-          <a:lstStyle/>
-          <a:p>
-            <a:r>
-              <a:rPr lang="ro-RO" dirty="0"/>
-              <a:t>Demonstra</a:t>
-            </a:r>
-            <a:r>
-              <a:rPr lang="ro-RO" sz="3600" dirty="0">
-                <a:latin typeface="Times New Roman" panose="02020603050405020304" pitchFamily="18" charset="0"/>
-                <a:cs typeface="Times New Roman" panose="02020603050405020304" pitchFamily="18" charset="0"/>
-              </a:rPr>
-              <a:t>ț</a:t>
-            </a:r>
-            <a:r>
-              <a:rPr lang="ro-RO" dirty="0"/>
-              <a:t>ie</a:t>
-            </a:r>
-            <a:endParaRPr lang="en-GB" dirty="0"/>
-          </a:p>
-        </p:txBody>
-      </p:sp>
-      <p:sp>
-        <p:nvSpPr>
-          <p:cNvPr id="5" name="Content Placeholder 4"/>
-          <p:cNvSpPr>
-            <a:spLocks noGrp="1"/>
-          </p:cNvSpPr>
-          <p:nvPr>
-            <p:ph idx="1"/>
-          </p:nvPr>
-        </p:nvSpPr>
-        <p:spPr/>
-        <p:txBody>
-          <a:bodyPr/>
-          <a:lstStyle/>
-          <a:p>
-            <a:endParaRPr lang="en-GB" dirty="0"/>
-          </a:p>
-        </p:txBody>
-      </p:sp>
-      <p:sp>
-        <p:nvSpPr>
-          <p:cNvPr id="3" name="Footer Placeholder 2"/>
-          <p:cNvSpPr>
-            <a:spLocks noGrp="1"/>
-          </p:cNvSpPr>
-          <p:nvPr>
-            <p:ph type="ftr" sz="quarter" idx="11"/>
-          </p:nvPr>
-        </p:nvSpPr>
-        <p:spPr/>
-        <p:txBody>
-          <a:bodyPr/>
-          <a:lstStyle/>
-          <a:p>
-            <a:r>
-              <a:rPr lang="en-GB" sz="1200" dirty="0"/>
-              <a:t>UNIVERSITATEA „ALEXANDRU IOAN CUZA” IAŞI, FACULTATEA DE INFORMATICĂ</a:t>
-            </a:r>
-          </a:p>
-        </p:txBody>
-      </p:sp>
-      <p:sp>
-        <p:nvSpPr>
-          <p:cNvPr id="2" name="Slide Number Placeholder 1"/>
-          <p:cNvSpPr>
-            <a:spLocks noGrp="1"/>
-          </p:cNvSpPr>
-          <p:nvPr>
-            <p:ph type="sldNum" sz="quarter" idx="12"/>
-          </p:nvPr>
-        </p:nvSpPr>
-        <p:spPr/>
-        <p:txBody>
-          <a:bodyPr/>
-          <a:lstStyle/>
-          <a:p>
-            <a:fld id="{063B3E89-AA81-4CDA-AB7C-21B784BF0B72}" type="slidenum">
-              <a:rPr lang="en-GB" sz="2000" smtClean="0"/>
-              <a:t>9</a:t>
             </a:fld>
             <a:endParaRPr lang="en-GB" sz="2000" dirty="0"/>
           </a:p>
